--- a/archive/2022年度　統計学関連/03_ch3_確率と確率変数/統計学_ch3.pptx
+++ b/archive/2022年度　統計学関連/03_ch3_確率と確率変数/統計学_ch3.pptx
@@ -2851,7 +2851,7 @@
           <a:p>
             <a:fld id="{1895A64F-7672-4A38-B12D-41B8FA3C90DE}" type="datetimeFigureOut">
               <a:rPr kumimoji="1" lang="ja-JP" altLang="en-US" smtClean="0"/>
-              <a:t>2021/9/13</a:t>
+              <a:t>2023/8/21</a:t>
             </a:fld>
             <a:endParaRPr kumimoji="1" lang="ja-JP" altLang="en-US"/>
           </a:p>
@@ -7423,35 +7423,6 @@
           </mc:AlternateContent>
         </p:grpSp>
       </p:grpSp>
-      <p:sp>
-        <p:nvSpPr>
-          <p:cNvPr id="6" name="スライド番号プレースホルダー 5">
-            <a:extLst>
-              <a:ext uri="{FF2B5EF4-FFF2-40B4-BE49-F238E27FC236}">
-                <a16:creationId xmlns:a16="http://schemas.microsoft.com/office/drawing/2014/main" id="{5DD89FF4-BEFF-42C8-9E04-39A07999D51F}"/>
-              </a:ext>
-            </a:extLst>
-          </p:cNvPr>
-          <p:cNvSpPr>
-            <a:spLocks noGrp="1"/>
-          </p:cNvSpPr>
-          <p:nvPr>
-            <p:ph type="sldNum" sz="quarter" idx="12"/>
-          </p:nvPr>
-        </p:nvSpPr>
-        <p:spPr/>
-        <p:txBody>
-          <a:bodyPr/>
-          <a:lstStyle/>
-          <a:p>
-            <a:fld id="{83E4BC44-1CD2-4666-A5F4-A286043144FC}" type="slidenum">
-              <a:rPr kumimoji="1" lang="ja-JP" altLang="en-US" smtClean="0"/>
-              <a:t>11</a:t>
-            </a:fld>
-            <a:endParaRPr kumimoji="1" lang="ja-JP" altLang="en-US"/>
-          </a:p>
-        </p:txBody>
-      </p:sp>
     </p:spTree>
     <p:extLst>
       <p:ext uri="{BB962C8B-B14F-4D97-AF65-F5344CB8AC3E}">
@@ -8660,35 +8631,6 @@
           </a:p>
         </p:txBody>
       </p:sp>
-      <p:sp>
-        <p:nvSpPr>
-          <p:cNvPr id="11" name="スライド番号プレースホルダー 10">
-            <a:extLst>
-              <a:ext uri="{FF2B5EF4-FFF2-40B4-BE49-F238E27FC236}">
-                <a16:creationId xmlns:a16="http://schemas.microsoft.com/office/drawing/2014/main" id="{4F0E4731-F29A-4DBD-A5B0-1B4DB3938799}"/>
-              </a:ext>
-            </a:extLst>
-          </p:cNvPr>
-          <p:cNvSpPr>
-            <a:spLocks noGrp="1"/>
-          </p:cNvSpPr>
-          <p:nvPr>
-            <p:ph type="sldNum" sz="quarter" idx="12"/>
-          </p:nvPr>
-        </p:nvSpPr>
-        <p:spPr/>
-        <p:txBody>
-          <a:bodyPr/>
-          <a:lstStyle/>
-          <a:p>
-            <a:fld id="{83E4BC44-1CD2-4666-A5F4-A286043144FC}" type="slidenum">
-              <a:rPr kumimoji="1" lang="ja-JP" altLang="en-US" smtClean="0"/>
-              <a:t>12</a:t>
-            </a:fld>
-            <a:endParaRPr kumimoji="1" lang="ja-JP" altLang="en-US"/>
-          </a:p>
-        </p:txBody>
-      </p:sp>
     </p:spTree>
     <p:extLst>
       <p:ext uri="{BB962C8B-B14F-4D97-AF65-F5344CB8AC3E}">
@@ -9926,35 +9868,6 @@
           </a:p>
         </p:txBody>
       </p:sp>
-      <p:sp>
-        <p:nvSpPr>
-          <p:cNvPr id="11" name="スライド番号プレースホルダー 10">
-            <a:extLst>
-              <a:ext uri="{FF2B5EF4-FFF2-40B4-BE49-F238E27FC236}">
-                <a16:creationId xmlns:a16="http://schemas.microsoft.com/office/drawing/2014/main" id="{BD11C7E6-4FAE-4005-A1C4-1CC756D8D1E4}"/>
-              </a:ext>
-            </a:extLst>
-          </p:cNvPr>
-          <p:cNvSpPr>
-            <a:spLocks noGrp="1"/>
-          </p:cNvSpPr>
-          <p:nvPr>
-            <p:ph type="sldNum" sz="quarter" idx="12"/>
-          </p:nvPr>
-        </p:nvSpPr>
-        <p:spPr/>
-        <p:txBody>
-          <a:bodyPr/>
-          <a:lstStyle/>
-          <a:p>
-            <a:fld id="{83E4BC44-1CD2-4666-A5F4-A286043144FC}" type="slidenum">
-              <a:rPr kumimoji="1" lang="ja-JP" altLang="en-US" smtClean="0"/>
-              <a:t>13</a:t>
-            </a:fld>
-            <a:endParaRPr kumimoji="1" lang="ja-JP" altLang="en-US"/>
-          </a:p>
-        </p:txBody>
-      </p:sp>
     </p:spTree>
     <p:extLst>
       <p:ext uri="{BB962C8B-B14F-4D97-AF65-F5344CB8AC3E}">
@@ -10743,8 +10656,8 @@
           </a:p>
         </p:txBody>
       </p:sp>
-      <mc:AlternateContent xmlns:mc="http://schemas.openxmlformats.org/markup-compatibility/2006" xmlns:a14="http://schemas.microsoft.com/office/drawing/2010/main">
-        <mc:Choice Requires="a14">
+      <mc:AlternateContent xmlns:mc="http://schemas.openxmlformats.org/markup-compatibility/2006">
+        <mc:Choice xmlns:a14="http://schemas.microsoft.com/office/drawing/2010/main" Requires="a14">
           <p:sp>
             <p:nvSpPr>
               <p:cNvPr id="3" name="コンテンツ プレースホルダー 2"/>
@@ -10758,12 +10671,12 @@
             <p:spPr>
               <a:xfrm>
                 <a:off x="0" y="2060848"/>
-                <a:ext cx="9144000" cy="4464496"/>
+                <a:ext cx="4929750" cy="4464496"/>
               </a:xfrm>
             </p:spPr>
             <p:txBody>
               <a:bodyPr>
-                <a:normAutofit/>
+                <a:normAutofit fontScale="77500" lnSpcReduction="20000"/>
               </a:bodyPr>
               <a:lstStyle/>
               <a:p>
@@ -11340,7 +11253,7 @@
             </p:txBody>
           </p:sp>
         </mc:Choice>
-        <mc:Fallback xmlns="">
+        <mc:Fallback>
           <p:sp>
             <p:nvSpPr>
               <p:cNvPr id="3" name="コンテンツ プレースホルダー 2"/>
@@ -11354,12 +11267,12 @@
             <p:spPr>
               <a:xfrm>
                 <a:off x="0" y="2060848"/>
-                <a:ext cx="9144000" cy="4464496"/>
+                <a:ext cx="4929750" cy="4464496"/>
               </a:xfrm>
-              <a:blipFill rotWithShape="1">
+              <a:blipFill>
                 <a:blip r:embed="rId2"/>
                 <a:stretch>
-                  <a:fillRect l="-1467" t="-1913" b="-820"/>
+                  <a:fillRect l="-2057" t="-2841"/>
                 </a:stretch>
               </a:blipFill>
             </p:spPr>
@@ -11368,7 +11281,7 @@
               <a:lstStyle/>
               <a:p>
                 <a:r>
-                  <a:rPr lang="ja-JP" altLang="en-US">
+                  <a:rPr lang="en-JP">
                     <a:noFill/>
                   </a:rPr>
                   <a:t> </a:t>
@@ -11426,7 +11339,7 @@
         </p:nvGrpSpPr>
         <p:grpSpPr>
           <a:xfrm>
-            <a:off x="5409669" y="1754152"/>
+            <a:off x="5409669" y="2402224"/>
             <a:ext cx="3338795" cy="2682960"/>
             <a:chOff x="4860032" y="2492896"/>
             <a:chExt cx="4032448" cy="3240360"/>
@@ -16045,35 +15958,6 @@
           </a:p>
         </p:txBody>
       </p:sp>
-      <p:sp>
-        <p:nvSpPr>
-          <p:cNvPr id="21" name="スライド番号プレースホルダー 20">
-            <a:extLst>
-              <a:ext uri="{FF2B5EF4-FFF2-40B4-BE49-F238E27FC236}">
-                <a16:creationId xmlns:a16="http://schemas.microsoft.com/office/drawing/2014/main" id="{9E8499AB-9AB5-40A4-ABF8-44FCBF488A0A}"/>
-              </a:ext>
-            </a:extLst>
-          </p:cNvPr>
-          <p:cNvSpPr>
-            <a:spLocks noGrp="1"/>
-          </p:cNvSpPr>
-          <p:nvPr>
-            <p:ph type="sldNum" sz="quarter" idx="12"/>
-          </p:nvPr>
-        </p:nvSpPr>
-        <p:spPr/>
-        <p:txBody>
-          <a:bodyPr/>
-          <a:lstStyle/>
-          <a:p>
-            <a:fld id="{83E4BC44-1CD2-4666-A5F4-A286043144FC}" type="slidenum">
-              <a:rPr kumimoji="1" lang="ja-JP" altLang="en-US" smtClean="0"/>
-              <a:t>19</a:t>
-            </a:fld>
-            <a:endParaRPr kumimoji="1" lang="ja-JP" altLang="en-US"/>
-          </a:p>
-        </p:txBody>
-      </p:sp>
     </p:spTree>
     <p:extLst>
       <p:ext uri="{BB962C8B-B14F-4D97-AF65-F5344CB8AC3E}">
@@ -17014,35 +16898,6 @@
               <a:ea typeface="メイリオ" panose="020B0604030504040204" pitchFamily="50" charset="-128"/>
               <a:cs typeface="メイリオ" panose="020B0604030504040204" pitchFamily="50" charset="-128"/>
             </a:endParaRPr>
-          </a:p>
-        </p:txBody>
-      </p:sp>
-      <p:sp>
-        <p:nvSpPr>
-          <p:cNvPr id="8" name="スライド番号プレースホルダー 7">
-            <a:extLst>
-              <a:ext uri="{FF2B5EF4-FFF2-40B4-BE49-F238E27FC236}">
-                <a16:creationId xmlns:a16="http://schemas.microsoft.com/office/drawing/2014/main" id="{7EC32329-4A7D-4F53-B3BA-F9B75A6DF094}"/>
-              </a:ext>
-            </a:extLst>
-          </p:cNvPr>
-          <p:cNvSpPr>
-            <a:spLocks noGrp="1"/>
-          </p:cNvSpPr>
-          <p:nvPr>
-            <p:ph type="sldNum" sz="quarter" idx="12"/>
-          </p:nvPr>
-        </p:nvSpPr>
-        <p:spPr/>
-        <p:txBody>
-          <a:bodyPr/>
-          <a:lstStyle/>
-          <a:p>
-            <a:fld id="{83E4BC44-1CD2-4666-A5F4-A286043144FC}" type="slidenum">
-              <a:rPr kumimoji="1" lang="ja-JP" altLang="en-US" smtClean="0"/>
-              <a:t>22</a:t>
-            </a:fld>
-            <a:endParaRPr kumimoji="1" lang="ja-JP" altLang="en-US"/>
           </a:p>
         </p:txBody>
       </p:sp>

--- a/archive/2022年度　統計学関連/03_ch3_確率と確率変数/統計学_ch3.pptx
+++ b/archive/2022年度　統計学関連/03_ch3_確率と確率変数/統計学_ch3.pptx
@@ -1225,7 +1225,7 @@
       <dgm:spPr/>
     </dgm:pt>
     <dgm:pt modelId="{DEE2B0E9-E732-4760-A5AF-84EA33E1A847}" type="pres">
-      <dgm:prSet presAssocID="{CE974B30-4791-4A48-89A3-C898E4DE977A}" presName="arrow" presStyleLbl="bgShp" presStyleIdx="0" presStyleCnt="1"/>
+      <dgm:prSet presAssocID="{CE974B30-4791-4A48-89A3-C898E4DE977A}" presName="arrow" presStyleLbl="bgShp" presStyleIdx="0" presStyleCnt="1" custScaleX="88940" custScaleY="84607"/>
       <dgm:spPr/>
     </dgm:pt>
     <dgm:pt modelId="{F1F273B7-4EDF-4DC8-B681-A78F652A9ABD}" type="pres">
@@ -1306,8 +1306,8 @@
       </dsp:nvSpPr>
       <dsp:spPr>
         <a:xfrm>
-          <a:off x="685799" y="0"/>
-          <a:ext cx="7772400" cy="4679950"/>
+          <a:off x="1115613" y="360192"/>
+          <a:ext cx="6912772" cy="3959565"/>
         </a:xfrm>
         <a:prstGeom prst="rightArrow">
           <a:avLst/>
@@ -2851,7 +2851,7 @@
           <a:p>
             <a:fld id="{1895A64F-7672-4A38-B12D-41B8FA3C90DE}" type="datetimeFigureOut">
               <a:rPr kumimoji="1" lang="ja-JP" altLang="en-US" smtClean="0"/>
-              <a:t>2023/8/21</a:t>
+              <a:t>2023/8/23</a:t>
             </a:fld>
             <a:endParaRPr kumimoji="1" lang="ja-JP" altLang="en-US"/>
           </a:p>
@@ -10656,8 +10656,8 @@
           </a:p>
         </p:txBody>
       </p:sp>
-      <mc:AlternateContent xmlns:mc="http://schemas.openxmlformats.org/markup-compatibility/2006">
-        <mc:Choice xmlns:a14="http://schemas.microsoft.com/office/drawing/2010/main" Requires="a14">
+      <mc:AlternateContent xmlns:mc="http://schemas.openxmlformats.org/markup-compatibility/2006" xmlns:a14="http://schemas.microsoft.com/office/drawing/2010/main">
+        <mc:Choice Requires="a14">
           <p:sp>
             <p:nvSpPr>
               <p:cNvPr id="3" name="コンテンツ プレースホルダー 2"/>
@@ -11253,7 +11253,7 @@
             </p:txBody>
           </p:sp>
         </mc:Choice>
-        <mc:Fallback>
+        <mc:Fallback xmlns="">
           <p:sp>
             <p:nvSpPr>
               <p:cNvPr id="3" name="コンテンツ プレースホルダー 2"/>
@@ -18765,7 +18765,7 @@
         </p:nvSpPr>
         <p:spPr>
           <a:xfrm>
-            <a:off x="6156176" y="1988840"/>
+            <a:off x="7236296" y="1124744"/>
             <a:ext cx="1296144" cy="648072"/>
           </a:xfrm>
           <a:prstGeom prst="roundRect">
@@ -18817,7 +18817,7 @@
         </p:nvGrpSpPr>
         <p:grpSpPr>
           <a:xfrm>
-            <a:off x="251520" y="3140968"/>
+            <a:off x="2483768" y="3212976"/>
             <a:ext cx="4032448" cy="3240360"/>
             <a:chOff x="251520" y="3140968"/>
             <a:chExt cx="4032448" cy="3240360"/>
@@ -21588,35 +21588,6 @@
           </a:p>
         </p:txBody>
       </p:sp>
-      <p:sp>
-        <p:nvSpPr>
-          <p:cNvPr id="11" name="スライド番号プレースホルダー 10">
-            <a:extLst>
-              <a:ext uri="{FF2B5EF4-FFF2-40B4-BE49-F238E27FC236}">
-                <a16:creationId xmlns:a16="http://schemas.microsoft.com/office/drawing/2014/main" id="{F62E1962-E182-47EA-8017-BB06A4D50C11}"/>
-              </a:ext>
-            </a:extLst>
-          </p:cNvPr>
-          <p:cNvSpPr>
-            <a:spLocks noGrp="1"/>
-          </p:cNvSpPr>
-          <p:nvPr>
-            <p:ph type="sldNum" sz="quarter" idx="12"/>
-          </p:nvPr>
-        </p:nvSpPr>
-        <p:spPr/>
-        <p:txBody>
-          <a:bodyPr/>
-          <a:lstStyle/>
-          <a:p>
-            <a:fld id="{83E4BC44-1CD2-4666-A5F4-A286043144FC}" type="slidenum">
-              <a:rPr kumimoji="1" lang="ja-JP" altLang="en-US" smtClean="0"/>
-              <a:t>29</a:t>
-            </a:fld>
-            <a:endParaRPr kumimoji="1" lang="ja-JP" altLang="en-US"/>
-          </a:p>
-        </p:txBody>
-      </p:sp>
     </p:spTree>
     <p:extLst>
       <p:ext uri="{BB962C8B-B14F-4D97-AF65-F5344CB8AC3E}">
@@ -23730,35 +23701,6 @@
           </p:sp>
         </mc:Fallback>
       </mc:AlternateContent>
-      <p:sp>
-        <p:nvSpPr>
-          <p:cNvPr id="7" name="スライド番号プレースホルダー 6">
-            <a:extLst>
-              <a:ext uri="{FF2B5EF4-FFF2-40B4-BE49-F238E27FC236}">
-                <a16:creationId xmlns:a16="http://schemas.microsoft.com/office/drawing/2014/main" id="{C9CBDD61-FC86-4698-A379-74159E870DA3}"/>
-              </a:ext>
-            </a:extLst>
-          </p:cNvPr>
-          <p:cNvSpPr>
-            <a:spLocks noGrp="1"/>
-          </p:cNvSpPr>
-          <p:nvPr>
-            <p:ph type="sldNum" sz="quarter" idx="12"/>
-          </p:nvPr>
-        </p:nvSpPr>
-        <p:spPr/>
-        <p:txBody>
-          <a:bodyPr/>
-          <a:lstStyle/>
-          <a:p>
-            <a:fld id="{83E4BC44-1CD2-4666-A5F4-A286043144FC}" type="slidenum">
-              <a:rPr kumimoji="1" lang="ja-JP" altLang="en-US" smtClean="0"/>
-              <a:t>32</a:t>
-            </a:fld>
-            <a:endParaRPr kumimoji="1" lang="ja-JP" altLang="en-US"/>
-          </a:p>
-        </p:txBody>
-      </p:sp>
     </p:spTree>
     <p:extLst>
       <p:ext uri="{BB962C8B-B14F-4D97-AF65-F5344CB8AC3E}">
@@ -24803,35 +24745,6 @@
           </p:sp>
         </mc:Fallback>
       </mc:AlternateContent>
-      <p:sp>
-        <p:nvSpPr>
-          <p:cNvPr id="7" name="スライド番号プレースホルダー 6">
-            <a:extLst>
-              <a:ext uri="{FF2B5EF4-FFF2-40B4-BE49-F238E27FC236}">
-                <a16:creationId xmlns:a16="http://schemas.microsoft.com/office/drawing/2014/main" id="{C42B0346-17EF-4088-B61E-48E5D93FA939}"/>
-              </a:ext>
-            </a:extLst>
-          </p:cNvPr>
-          <p:cNvSpPr>
-            <a:spLocks noGrp="1"/>
-          </p:cNvSpPr>
-          <p:nvPr>
-            <p:ph type="sldNum" sz="quarter" idx="12"/>
-          </p:nvPr>
-        </p:nvSpPr>
-        <p:spPr/>
-        <p:txBody>
-          <a:bodyPr/>
-          <a:lstStyle/>
-          <a:p>
-            <a:fld id="{83E4BC44-1CD2-4666-A5F4-A286043144FC}" type="slidenum">
-              <a:rPr kumimoji="1" lang="ja-JP" altLang="en-US" smtClean="0"/>
-              <a:t>33</a:t>
-            </a:fld>
-            <a:endParaRPr kumimoji="1" lang="ja-JP" altLang="en-US"/>
-          </a:p>
-        </p:txBody>
-      </p:sp>
     </p:spTree>
     <p:extLst>
       <p:ext uri="{BB962C8B-B14F-4D97-AF65-F5344CB8AC3E}">
@@ -25736,35 +25649,6 @@
           </p:sp>
         </mc:Fallback>
       </mc:AlternateContent>
-      <p:sp>
-        <p:nvSpPr>
-          <p:cNvPr id="7" name="スライド番号プレースホルダー 6">
-            <a:extLst>
-              <a:ext uri="{FF2B5EF4-FFF2-40B4-BE49-F238E27FC236}">
-                <a16:creationId xmlns:a16="http://schemas.microsoft.com/office/drawing/2014/main" id="{DC4DF842-D216-4B1C-8939-43A7599ED230}"/>
-              </a:ext>
-            </a:extLst>
-          </p:cNvPr>
-          <p:cNvSpPr>
-            <a:spLocks noGrp="1"/>
-          </p:cNvSpPr>
-          <p:nvPr>
-            <p:ph type="sldNum" sz="quarter" idx="12"/>
-          </p:nvPr>
-        </p:nvSpPr>
-        <p:spPr/>
-        <p:txBody>
-          <a:bodyPr/>
-          <a:lstStyle/>
-          <a:p>
-            <a:fld id="{83E4BC44-1CD2-4666-A5F4-A286043144FC}" type="slidenum">
-              <a:rPr kumimoji="1" lang="ja-JP" altLang="en-US" smtClean="0"/>
-              <a:t>34</a:t>
-            </a:fld>
-            <a:endParaRPr kumimoji="1" lang="ja-JP" altLang="en-US"/>
-          </a:p>
-        </p:txBody>
-      </p:sp>
     </p:spTree>
     <p:extLst>
       <p:ext uri="{BB962C8B-B14F-4D97-AF65-F5344CB8AC3E}">
@@ -26232,35 +26116,6 @@
           </p:sp>
         </mc:Fallback>
       </mc:AlternateContent>
-      <p:sp>
-        <p:nvSpPr>
-          <p:cNvPr id="7" name="スライド番号プレースホルダー 6">
-            <a:extLst>
-              <a:ext uri="{FF2B5EF4-FFF2-40B4-BE49-F238E27FC236}">
-                <a16:creationId xmlns:a16="http://schemas.microsoft.com/office/drawing/2014/main" id="{DE944F48-16A7-4490-A553-14C140BEE9AD}"/>
-              </a:ext>
-            </a:extLst>
-          </p:cNvPr>
-          <p:cNvSpPr>
-            <a:spLocks noGrp="1"/>
-          </p:cNvSpPr>
-          <p:nvPr>
-            <p:ph type="sldNum" sz="quarter" idx="12"/>
-          </p:nvPr>
-        </p:nvSpPr>
-        <p:spPr/>
-        <p:txBody>
-          <a:bodyPr/>
-          <a:lstStyle/>
-          <a:p>
-            <a:fld id="{83E4BC44-1CD2-4666-A5F4-A286043144FC}" type="slidenum">
-              <a:rPr kumimoji="1" lang="ja-JP" altLang="en-US" smtClean="0"/>
-              <a:t>35</a:t>
-            </a:fld>
-            <a:endParaRPr kumimoji="1" lang="ja-JP" altLang="en-US"/>
-          </a:p>
-        </p:txBody>
-      </p:sp>
     </p:spTree>
     <p:extLst>
       <p:ext uri="{BB962C8B-B14F-4D97-AF65-F5344CB8AC3E}">
@@ -26893,35 +26748,6 @@
           </p:sp>
         </mc:Fallback>
       </mc:AlternateContent>
-      <p:sp>
-        <p:nvSpPr>
-          <p:cNvPr id="7" name="スライド番号プレースホルダー 6">
-            <a:extLst>
-              <a:ext uri="{FF2B5EF4-FFF2-40B4-BE49-F238E27FC236}">
-                <a16:creationId xmlns:a16="http://schemas.microsoft.com/office/drawing/2014/main" id="{5D1FD24A-DE99-4E10-A545-D083FDB593C0}"/>
-              </a:ext>
-            </a:extLst>
-          </p:cNvPr>
-          <p:cNvSpPr>
-            <a:spLocks noGrp="1"/>
-          </p:cNvSpPr>
-          <p:nvPr>
-            <p:ph type="sldNum" sz="quarter" idx="12"/>
-          </p:nvPr>
-        </p:nvSpPr>
-        <p:spPr/>
-        <p:txBody>
-          <a:bodyPr/>
-          <a:lstStyle/>
-          <a:p>
-            <a:fld id="{83E4BC44-1CD2-4666-A5F4-A286043144FC}" type="slidenum">
-              <a:rPr kumimoji="1" lang="ja-JP" altLang="en-US" smtClean="0"/>
-              <a:t>36</a:t>
-            </a:fld>
-            <a:endParaRPr kumimoji="1" lang="ja-JP" altLang="en-US"/>
-          </a:p>
-        </p:txBody>
-      </p:sp>
     </p:spTree>
     <p:extLst>
       <p:ext uri="{BB962C8B-B14F-4D97-AF65-F5344CB8AC3E}">
@@ -27538,35 +27364,6 @@
           </p:sp>
         </mc:Fallback>
       </mc:AlternateContent>
-      <p:sp>
-        <p:nvSpPr>
-          <p:cNvPr id="7" name="スライド番号プレースホルダー 6">
-            <a:extLst>
-              <a:ext uri="{FF2B5EF4-FFF2-40B4-BE49-F238E27FC236}">
-                <a16:creationId xmlns:a16="http://schemas.microsoft.com/office/drawing/2014/main" id="{A793CFCE-9642-4BA9-B711-E54E1920D35A}"/>
-              </a:ext>
-            </a:extLst>
-          </p:cNvPr>
-          <p:cNvSpPr>
-            <a:spLocks noGrp="1"/>
-          </p:cNvSpPr>
-          <p:nvPr>
-            <p:ph type="sldNum" sz="quarter" idx="12"/>
-          </p:nvPr>
-        </p:nvSpPr>
-        <p:spPr/>
-        <p:txBody>
-          <a:bodyPr/>
-          <a:lstStyle/>
-          <a:p>
-            <a:fld id="{83E4BC44-1CD2-4666-A5F4-A286043144FC}" type="slidenum">
-              <a:rPr kumimoji="1" lang="ja-JP" altLang="en-US" smtClean="0"/>
-              <a:t>37</a:t>
-            </a:fld>
-            <a:endParaRPr kumimoji="1" lang="ja-JP" altLang="en-US"/>
-          </a:p>
-        </p:txBody>
-      </p:sp>
     </p:spTree>
     <p:extLst>
       <p:ext uri="{BB962C8B-B14F-4D97-AF65-F5344CB8AC3E}">
@@ -31218,6 +31015,11 @@
           </p:cNvGraphicFramePr>
           <p:nvPr>
             <p:ph idx="1"/>
+            <p:extLst>
+              <p:ext uri="{D42A27DB-BD31-4B8C-83A1-F6EECF244321}">
+                <p14:modId xmlns:p14="http://schemas.microsoft.com/office/powerpoint/2010/main" val="1999487247"/>
+              </p:ext>
+            </p:extLst>
           </p:nvPr>
         </p:nvGraphicFramePr>
         <p:xfrm>
@@ -31254,35 +31056,6 @@
               </a:rPr>
               <a:t>確率変数は、事象を介して確率を付与された変数</a:t>
             </a:r>
-          </a:p>
-        </p:txBody>
-      </p:sp>
-      <p:sp>
-        <p:nvSpPr>
-          <p:cNvPr id="3" name="スライド番号プレースホルダー 2">
-            <a:extLst>
-              <a:ext uri="{FF2B5EF4-FFF2-40B4-BE49-F238E27FC236}">
-                <a16:creationId xmlns:a16="http://schemas.microsoft.com/office/drawing/2014/main" id="{F693ED45-A9BE-4A53-AA1C-73AE226ACC92}"/>
-              </a:ext>
-            </a:extLst>
-          </p:cNvPr>
-          <p:cNvSpPr>
-            <a:spLocks noGrp="1"/>
-          </p:cNvSpPr>
-          <p:nvPr>
-            <p:ph type="sldNum" sz="quarter" idx="12"/>
-          </p:nvPr>
-        </p:nvSpPr>
-        <p:spPr/>
-        <p:txBody>
-          <a:bodyPr/>
-          <a:lstStyle/>
-          <a:p>
-            <a:fld id="{83E4BC44-1CD2-4666-A5F4-A286043144FC}" type="slidenum">
-              <a:rPr kumimoji="1" lang="ja-JP" altLang="en-US" smtClean="0"/>
-              <a:t>45</a:t>
-            </a:fld>
-            <a:endParaRPr kumimoji="1" lang="ja-JP" altLang="en-US"/>
           </a:p>
         </p:txBody>
       </p:sp>
@@ -32154,35 +31927,6 @@
           <a:lstStyle/>
           <a:p>
             <a:pPr algn="ctr"/>
-            <a:endParaRPr kumimoji="1" lang="ja-JP" altLang="en-US"/>
-          </a:p>
-        </p:txBody>
-      </p:sp>
-      <p:sp>
-        <p:nvSpPr>
-          <p:cNvPr id="2" name="スライド番号プレースホルダー 1">
-            <a:extLst>
-              <a:ext uri="{FF2B5EF4-FFF2-40B4-BE49-F238E27FC236}">
-                <a16:creationId xmlns:a16="http://schemas.microsoft.com/office/drawing/2014/main" id="{58521310-A425-439B-A1D7-1DE25E343D2E}"/>
-              </a:ext>
-            </a:extLst>
-          </p:cNvPr>
-          <p:cNvSpPr>
-            <a:spLocks noGrp="1"/>
-          </p:cNvSpPr>
-          <p:nvPr>
-            <p:ph type="sldNum" sz="quarter" idx="12"/>
-          </p:nvPr>
-        </p:nvSpPr>
-        <p:spPr/>
-        <p:txBody>
-          <a:bodyPr/>
-          <a:lstStyle/>
-          <a:p>
-            <a:fld id="{83E4BC44-1CD2-4666-A5F4-A286043144FC}" type="slidenum">
-              <a:rPr kumimoji="1" lang="ja-JP" altLang="en-US" smtClean="0"/>
-              <a:t>48</a:t>
-            </a:fld>
             <a:endParaRPr kumimoji="1" lang="ja-JP" altLang="en-US"/>
           </a:p>
         </p:txBody>
